--- a/projet_BDD_Soutenace.pptx
+++ b/projet_BDD_Soutenace.pptx
@@ -1,6 +1,6 @@
 
 <file path=ppt/presentation.xml><?xml version="1.0" encoding="utf-8"?>
-<p:presentation xmlns:a="http://schemas.openxmlformats.org/drawingml/2006/main" xmlns:r="http://schemas.openxmlformats.org/officeDocument/2006/relationships" xmlns:p="http://schemas.openxmlformats.org/presentationml/2006/main" autoCompressPictures="0">
+<p:presentation xmlns:a="http://schemas.openxmlformats.org/drawingml/2006/main" xmlns:r="http://schemas.openxmlformats.org/officeDocument/2006/relationships" xmlns:p="http://schemas.openxmlformats.org/presentationml/2006/main" saveSubsetFonts="1" autoCompressPictures="0">
   <p:sldMasterIdLst>
     <p:sldMasterId id="2147483648" r:id="rId1"/>
   </p:sldMasterIdLst>
@@ -10,6 +10,8 @@
     <p:sldId id="258" r:id="rId4"/>
     <p:sldId id="259" r:id="rId5"/>
     <p:sldId id="260" r:id="rId6"/>
+    <p:sldId id="261" r:id="rId7"/>
+    <p:sldId id="262" r:id="rId8"/>
   </p:sldIdLst>
   <p:sldSz cx="12192000" cy="6858000"/>
   <p:notesSz cx="6858000" cy="9144000"/>
@@ -108,6 +110,11 @@
       </a:defRPr>
     </a:lvl9pPr>
   </p:defaultTextStyle>
+  <p:extLst>
+    <p:ext uri="{EFAFB233-063F-42B5-8137-9DF3F51BA10A}">
+      <p15:sldGuideLst xmlns:p15="http://schemas.microsoft.com/office/powerpoint/2012/main"/>
+    </p:ext>
+  </p:extLst>
 </p:presentation>
 </file>
 
@@ -337,7 +344,7 @@
           <a:p>
             <a:fld id="{5A069CB8-F204-4D06-B913-C5A26A89888A}" type="datetimeFigureOut">
               <a:rPr lang="en-US" dirty="0"/>
-              <a:t>12/15/2016</a:t>
+              <a:t>12/15/16</a:t>
             </a:fld>
             <a:endParaRPr lang="en-US" dirty="0"/>
           </a:p>
@@ -379,7 +386,7 @@
           <a:p>
             <a:fld id="{4FAB73BC-B049-4115-A692-8D63A059BFB8}" type="slidenum">
               <a:rPr lang="en-US" dirty="0"/>
-              <a:t>‹N°›</a:t>
+              <a:t>‹#›</a:t>
             </a:fld>
             <a:endParaRPr lang="en-US" dirty="0"/>
           </a:p>
@@ -540,7 +547,7 @@
           <a:p>
             <a:fld id="{50B6E300-0A13-4A81-945A-7333C271A069}" type="datetimeFigureOut">
               <a:rPr lang="en-US" dirty="0"/>
-              <a:t>12/15/2016</a:t>
+              <a:t>12/15/16</a:t>
             </a:fld>
             <a:endParaRPr lang="en-US" dirty="0"/>
           </a:p>
@@ -582,7 +589,7 @@
           <a:p>
             <a:fld id="{4FAB73BC-B049-4115-A692-8D63A059BFB8}" type="slidenum">
               <a:rPr lang="en-US" dirty="0"/>
-              <a:t>‹N°›</a:t>
+              <a:t>‹#›</a:t>
             </a:fld>
             <a:endParaRPr lang="en-US" dirty="0"/>
           </a:p>
@@ -791,7 +798,7 @@
           <a:p>
             <a:fld id="{34671962-1EA4-46E7-BCB0-F36CE46D1A59}" type="datetimeFigureOut">
               <a:rPr lang="en-US" dirty="0"/>
-              <a:t>12/15/2016</a:t>
+              <a:t>12/15/16</a:t>
             </a:fld>
             <a:endParaRPr lang="en-US" dirty="0"/>
           </a:p>
@@ -833,7 +840,7 @@
           <a:p>
             <a:fld id="{4FAB73BC-B049-4115-A692-8D63A059BFB8}" type="slidenum">
               <a:rPr lang="en-US" dirty="0"/>
-              <a:t>‹N°›</a:t>
+              <a:t>‹#›</a:t>
             </a:fld>
             <a:endParaRPr lang="en-US" dirty="0"/>
           </a:p>
@@ -956,7 +963,7 @@
           <a:p>
             <a:fld id="{D30BB376-B19C-488D-ABEB-03C7E6E9E3E0}" type="datetimeFigureOut">
               <a:rPr lang="en-US" dirty="0"/>
-              <a:t>12/15/2016</a:t>
+              <a:t>12/15/16</a:t>
             </a:fld>
             <a:endParaRPr lang="en-US" dirty="0"/>
           </a:p>
@@ -998,7 +1005,7 @@
           <a:p>
             <a:fld id="{629637A9-119A-49DA-BD12-AAC58B377D80}" type="slidenum">
               <a:rPr lang="en-US" dirty="0"/>
-              <a:t>‹N°›</a:t>
+              <a:t>‹#›</a:t>
             </a:fld>
             <a:endParaRPr lang="en-US" dirty="0"/>
           </a:p>
@@ -1294,7 +1301,7 @@
           <a:p>
             <a:fld id="{486F077B-A50F-4D64-8574-E2D6A98A5553}" type="datetimeFigureOut">
               <a:rPr lang="en-US" dirty="0"/>
-              <a:t>12/15/2016</a:t>
+              <a:t>12/15/16</a:t>
             </a:fld>
             <a:endParaRPr lang="en-US" dirty="0"/>
           </a:p>
@@ -1336,7 +1343,7 @@
           <a:p>
             <a:fld id="{4FAB73BC-B049-4115-A692-8D63A059BFB8}" type="slidenum">
               <a:rPr lang="en-US" dirty="0"/>
-              <a:t>‹N°›</a:t>
+              <a:t>‹#›</a:t>
             </a:fld>
             <a:endParaRPr lang="en-US" dirty="0"/>
           </a:p>
@@ -1564,7 +1571,7 @@
           <a:p>
             <a:fld id="{7D9E2A62-1983-43A1-A163-D8AA46534C80}" type="datetimeFigureOut">
               <a:rPr lang="en-US" dirty="0"/>
-              <a:t>12/15/2016</a:t>
+              <a:t>12/15/16</a:t>
             </a:fld>
             <a:endParaRPr lang="en-US" dirty="0"/>
           </a:p>
@@ -1606,7 +1613,7 @@
           <a:p>
             <a:fld id="{4FAB73BC-B049-4115-A692-8D63A059BFB8}" type="slidenum">
               <a:rPr lang="en-US" dirty="0"/>
-              <a:t>‹N°›</a:t>
+              <a:t>‹#›</a:t>
             </a:fld>
             <a:endParaRPr lang="en-US" dirty="0"/>
           </a:p>
@@ -1938,7 +1945,7 @@
           <a:p>
             <a:fld id="{898F3E3B-34E3-4345-B2A1-994B83598A9C}" type="datetimeFigureOut">
               <a:rPr lang="en-US" dirty="0"/>
-              <a:t>12/15/2016</a:t>
+              <a:t>12/15/16</a:t>
             </a:fld>
             <a:endParaRPr lang="en-US" dirty="0"/>
           </a:p>
@@ -1980,7 +1987,7 @@
           <a:p>
             <a:fld id="{4FAB73BC-B049-4115-A692-8D63A059BFB8}" type="slidenum">
               <a:rPr lang="en-US" dirty="0"/>
-              <a:t>‹N°›</a:t>
+              <a:t>‹#›</a:t>
             </a:fld>
             <a:endParaRPr lang="en-US" dirty="0"/>
           </a:p>
@@ -2051,7 +2058,7 @@
           <a:p>
             <a:fld id="{FD816C96-82A1-4D77-8ADA-627AC6FE3D65}" type="datetimeFigureOut">
               <a:rPr lang="en-US" dirty="0"/>
-              <a:t>12/15/2016</a:t>
+              <a:t>12/15/16</a:t>
             </a:fld>
             <a:endParaRPr lang="en-US" dirty="0"/>
           </a:p>
@@ -2093,7 +2100,7 @@
           <a:p>
             <a:fld id="{4FAB73BC-B049-4115-A692-8D63A059BFB8}" type="slidenum">
               <a:rPr lang="en-US" dirty="0"/>
-              <a:t>‹N°›</a:t>
+              <a:t>‹#›</a:t>
             </a:fld>
             <a:endParaRPr lang="en-US" dirty="0"/>
           </a:p>
@@ -2217,7 +2224,7 @@
           <a:p>
             <a:fld id="{1D102C1E-28F2-47E9-802D-339E64E2F920}" type="datetimeFigureOut">
               <a:rPr lang="en-US" dirty="0"/>
-              <a:t>12/15/2016</a:t>
+              <a:t>12/15/16</a:t>
             </a:fld>
             <a:endParaRPr lang="en-US" dirty="0"/>
           </a:p>
@@ -2268,7 +2275,7 @@
             <a:fld id="{4FAB73BC-B049-4115-A692-8D63A059BFB8}" type="slidenum">
               <a:rPr lang="en-US" dirty="0"/>
               <a:pPr/>
-              <a:t>‹N°›</a:t>
+              <a:t>‹#›</a:t>
             </a:fld>
             <a:endParaRPr lang="en-US" dirty="0"/>
           </a:p>
@@ -2567,7 +2574,7 @@
           <a:p>
             <a:fld id="{24271A48-F18A-45B3-BC05-1E27DA3F88AF}" type="datetimeFigureOut">
               <a:rPr lang="en-US" dirty="0"/>
-              <a:t>12/15/2016</a:t>
+              <a:t>12/15/16</a:t>
             </a:fld>
             <a:endParaRPr lang="en-US" dirty="0"/>
           </a:p>
@@ -2631,7 +2638,7 @@
             <a:fld id="{4FAB73BC-B049-4115-A692-8D63A059BFB8}" type="slidenum">
               <a:rPr lang="en-US" dirty="0"/>
               <a:pPr/>
-              <a:t>‹N°›</a:t>
+              <a:t>‹#›</a:t>
             </a:fld>
             <a:endParaRPr lang="en-US" dirty="0"/>
           </a:p>
@@ -2940,7 +2947,7 @@
           <a:p>
             <a:fld id="{65B747F8-9654-4282-85D2-65F41AAE7A75}" type="datetimeFigureOut">
               <a:rPr lang="en-US" dirty="0"/>
-              <a:t>12/15/2016</a:t>
+              <a:t>12/15/16</a:t>
             </a:fld>
             <a:endParaRPr lang="en-US" dirty="0"/>
           </a:p>
@@ -2982,7 +2989,7 @@
           <a:p>
             <a:fld id="{4FAB73BC-B049-4115-A692-8D63A059BFB8}" type="slidenum">
               <a:rPr lang="en-US" dirty="0"/>
-              <a:t>‹N°›</a:t>
+              <a:t>‹#›</a:t>
             </a:fld>
             <a:endParaRPr lang="en-US" dirty="0"/>
           </a:p>
@@ -3222,7 +3229,7 @@
           <a:p>
             <a:fld id="{5DC5B261-8843-42D1-AAFC-05E20E2D9B97}" type="datetimeFigureOut">
               <a:rPr lang="en-US" dirty="0"/>
-              <a:t>12/15/2016</a:t>
+              <a:t>12/15/16</a:t>
             </a:fld>
             <a:endParaRPr lang="en-US" dirty="0"/>
           </a:p>
@@ -3297,7 +3304,7 @@
             <a:fld id="{4FAB73BC-B049-4115-A692-8D63A059BFB8}" type="slidenum">
               <a:rPr lang="en-US" dirty="0"/>
               <a:pPr/>
-              <a:t>‹N°›</a:t>
+              <a:t>‹#›</a:t>
             </a:fld>
             <a:endParaRPr lang="en-US" dirty="0"/>
           </a:p>
@@ -4253,6 +4260,51 @@
           <a:bodyPr/>
           <a:lstStyle/>
           <a:p>
+            <a:r>
+              <a:rPr lang="fr-FR" dirty="0" smtClean="0"/>
+              <a:t>Ce projet nous amène à mettre en place une base de données, un outils de gestion des ressources ainsi que de </a:t>
+            </a:r>
+            <a:r>
+              <a:rPr lang="fr-FR" dirty="0" err="1" smtClean="0"/>
+              <a:t>HelpsDesk</a:t>
+            </a:r>
+            <a:r>
+              <a:rPr lang="fr-FR" dirty="0" smtClean="0"/>
+              <a:t>.</a:t>
+            </a:r>
+          </a:p>
+          <a:p>
+            <a:endParaRPr lang="fr-FR" dirty="0"/>
+          </a:p>
+          <a:p>
+            <a:r>
+              <a:rPr lang="fr-FR" dirty="0" smtClean="0"/>
+              <a:t>1° Comparer les versions de SQL Server 2014</a:t>
+            </a:r>
+          </a:p>
+          <a:p>
+            <a:r>
+              <a:rPr lang="fr-FR" dirty="0" smtClean="0"/>
+              <a:t>2° Créer et paramétrer la base de données et stockage</a:t>
+            </a:r>
+          </a:p>
+          <a:p>
+            <a:r>
+              <a:rPr lang="fr-FR" dirty="0" smtClean="0"/>
+              <a:t>3° Mettre en place une stratégie des sauvegardes</a:t>
+            </a:r>
+          </a:p>
+          <a:p>
+            <a:r>
+              <a:rPr lang="fr-FR" dirty="0" smtClean="0"/>
+              <a:t>4° Créer, paramétrer et renseigner une installation de GLPI</a:t>
+            </a:r>
+          </a:p>
+          <a:p>
+            <a:r>
+              <a:rPr lang="fr-FR" dirty="0" smtClean="0"/>
+              <a:t>5° Créer, paramétrer et utiliser un dépôt GitHub</a:t>
+            </a:r>
             <a:endParaRPr lang="fr-FR" dirty="0"/>
           </a:p>
         </p:txBody>
@@ -4398,6 +4450,29 @@
           <a:bodyPr/>
           <a:lstStyle/>
           <a:p>
+            <a:r>
+              <a:rPr lang="fr-FR" u="sng" dirty="0"/>
+              <a:t>1° Aller sur </a:t>
+            </a:r>
+            <a:r>
+              <a:rPr lang="fr-FR" u="sng" dirty="0" err="1"/>
+              <a:t>Github</a:t>
+            </a:r>
+            <a:r>
+              <a:rPr lang="fr-FR" u="sng" dirty="0"/>
+              <a:t> et créer un nouveau «New </a:t>
+            </a:r>
+            <a:r>
+              <a:rPr lang="fr-FR" u="sng" dirty="0" err="1"/>
+              <a:t>Repository</a:t>
+            </a:r>
+            <a:r>
+              <a:rPr lang="fr-FR" u="sng" dirty="0"/>
+              <a:t> ». </a:t>
+            </a:r>
+            <a:endParaRPr lang="fr-FR" dirty="0"/>
+          </a:p>
+          <a:p>
             <a:endParaRPr lang="fr-FR" dirty="0"/>
           </a:p>
         </p:txBody>
@@ -4470,6 +4545,34 @@
               </a14:hiddenFill>
             </a:ext>
           </a:extLst>
+        </p:spPr>
+      </p:pic>
+      <p:pic>
+        <p:nvPicPr>
+          <p:cNvPr id="6" name="Image 5"/>
+          <p:cNvPicPr/>
+          <p:nvPr/>
+        </p:nvPicPr>
+        <p:blipFill>
+          <a:blip r:embed="rId3">
+            <a:extLst>
+              <a:ext uri="{28A0092B-C50C-407E-A947-70E740481C1C}">
+                <a14:useLocalDpi xmlns:a14="http://schemas.microsoft.com/office/drawing/2010/main" val="0"/>
+              </a:ext>
+            </a:extLst>
+          </a:blip>
+          <a:stretch>
+            <a:fillRect/>
+          </a:stretch>
+        </p:blipFill>
+        <p:spPr>
+          <a:xfrm>
+            <a:off x="1980414" y="2415011"/>
+            <a:ext cx="7109797" cy="3454083"/>
+          </a:xfrm>
+          <a:prstGeom prst="rect">
+            <a:avLst/>
+          </a:prstGeom>
         </p:spPr>
       </p:pic>
     </p:spTree>
@@ -4517,6 +4620,22 @@
           <a:bodyPr/>
           <a:lstStyle/>
           <a:p>
+            <a:r>
+              <a:rPr lang="fr-FR" dirty="0" smtClean="0">
+                <a:solidFill>
+                  <a:schemeClr val="accent1"/>
+                </a:solidFill>
+              </a:rPr>
+              <a:t>II) Mise en place d’un dépôt </a:t>
+            </a:r>
+            <a:r>
+              <a:rPr lang="fr-FR" dirty="0" err="1" smtClean="0">
+                <a:solidFill>
+                  <a:schemeClr val="accent1"/>
+                </a:solidFill>
+              </a:rPr>
+              <a:t>Github</a:t>
+            </a:r>
             <a:endParaRPr lang="fr-FR" dirty="0">
               <a:solidFill>
                 <a:schemeClr val="accent1"/>
@@ -4537,10 +4656,103 @@
         </p:nvSpPr>
         <p:spPr/>
         <p:txBody>
-          <a:bodyPr/>
-          <a:lstStyle/>
-          <a:p>
-            <a:endParaRPr lang="fr-FR" dirty="0"/>
+          <a:bodyPr>
+            <a:normAutofit/>
+          </a:bodyPr>
+          <a:lstStyle/>
+          <a:p>
+            <a:pPr lvl="0"/>
+            <a:r>
+              <a:rPr lang="fr-FR" sz="2800" dirty="0" smtClean="0"/>
+              <a:t>2° </a:t>
+            </a:r>
+            <a:r>
+              <a:rPr lang="fr-FR" sz="2800" u="sng" dirty="0"/>
+              <a:t>Remplir l’information sur cette page :</a:t>
+            </a:r>
+            <a:r>
+              <a:rPr lang="fr-FR" sz="2800" dirty="0"/>
+              <a:t> </a:t>
+            </a:r>
+            <a:endParaRPr lang="fr-FR" sz="2800" dirty="0" smtClean="0"/>
+          </a:p>
+          <a:p>
+            <a:pPr lvl="0"/>
+            <a:endParaRPr lang="fr-FR" sz="2800" dirty="0"/>
+          </a:p>
+          <a:p>
+            <a:pPr lvl="0"/>
+            <a:r>
+              <a:rPr lang="fr-FR" sz="2800" dirty="0" smtClean="0"/>
+              <a:t>. Nom </a:t>
+            </a:r>
+            <a:r>
+              <a:rPr lang="fr-FR" sz="2800" dirty="0"/>
+              <a:t>du </a:t>
+            </a:r>
+            <a:r>
+              <a:rPr lang="fr-FR" sz="2800" dirty="0" smtClean="0"/>
+              <a:t>dépôt</a:t>
+            </a:r>
+          </a:p>
+          <a:p>
+            <a:pPr lvl="0"/>
+            <a:r>
+              <a:rPr lang="fr-FR" sz="2800" dirty="0" smtClean="0"/>
+              <a:t>. Description </a:t>
+            </a:r>
+            <a:r>
+              <a:rPr lang="fr-FR" sz="2800" dirty="0"/>
+              <a:t>(en option</a:t>
+            </a:r>
+            <a:r>
+              <a:rPr lang="fr-FR" sz="2800" dirty="0" smtClean="0"/>
+              <a:t>)</a:t>
+            </a:r>
+          </a:p>
+          <a:p>
+            <a:pPr lvl="0"/>
+            <a:r>
+              <a:rPr lang="fr-FR" sz="2800" dirty="0" smtClean="0"/>
+              <a:t>. Public </a:t>
+            </a:r>
+            <a:r>
+              <a:rPr lang="fr-FR" sz="2800" dirty="0"/>
+              <a:t>ou Privé (L’option privé est payante</a:t>
+            </a:r>
+            <a:r>
+              <a:rPr lang="fr-FR" sz="2800" dirty="0" smtClean="0"/>
+              <a:t>)</a:t>
+            </a:r>
+          </a:p>
+          <a:p>
+            <a:r>
+              <a:rPr lang="fr-FR" sz="2800" dirty="0" smtClean="0"/>
+              <a:t>. Et </a:t>
+            </a:r>
+            <a:r>
+              <a:rPr lang="fr-FR" sz="2800" dirty="0"/>
+              <a:t>une fois terminé, cliquer sur “</a:t>
+            </a:r>
+            <a:r>
+              <a:rPr lang="fr-FR" sz="2800" dirty="0" err="1"/>
+              <a:t>Create</a:t>
+            </a:r>
+            <a:r>
+              <a:rPr lang="fr-FR" sz="2800" dirty="0"/>
+              <a:t> </a:t>
+            </a:r>
+            <a:r>
+              <a:rPr lang="fr-FR" sz="2800" dirty="0" err="1"/>
+              <a:t>Repository</a:t>
+            </a:r>
+            <a:r>
+              <a:rPr lang="fr-FR" sz="2800" dirty="0"/>
+              <a:t>.”</a:t>
+            </a:r>
+          </a:p>
+          <a:p>
+            <a:endParaRPr lang="fr-FR" sz="2800" dirty="0"/>
           </a:p>
         </p:txBody>
       </p:sp>
@@ -4618,6 +4830,245 @@
     <p:extLst>
       <p:ext uri="{BB962C8B-B14F-4D97-AF65-F5344CB8AC3E}">
         <p14:creationId xmlns:p14="http://schemas.microsoft.com/office/powerpoint/2010/main" val="220787924"/>
+      </p:ext>
+    </p:extLst>
+  </p:cSld>
+  <p:clrMapOvr>
+    <a:masterClrMapping/>
+  </p:clrMapOvr>
+</p:sld>
+</file>
+
+<file path=ppt/slides/slide6.xml><?xml version="1.0" encoding="utf-8"?>
+<p:sld xmlns:a="http://schemas.openxmlformats.org/drawingml/2006/main" xmlns:r="http://schemas.openxmlformats.org/officeDocument/2006/relationships" xmlns:p="http://schemas.openxmlformats.org/presentationml/2006/main">
+  <p:cSld>
+    <p:spTree>
+      <p:nvGrpSpPr>
+        <p:cNvPr id="1" name=""/>
+        <p:cNvGrpSpPr/>
+        <p:nvPr/>
+      </p:nvGrpSpPr>
+      <p:grpSpPr>
+        <a:xfrm>
+          <a:off x="0" y="0"/>
+          <a:ext cx="0" cy="0"/>
+          <a:chOff x="0" y="0"/>
+          <a:chExt cx="0" cy="0"/>
+        </a:xfrm>
+      </p:grpSpPr>
+      <p:sp>
+        <p:nvSpPr>
+          <p:cNvPr id="2" name="Titre 1"/>
+          <p:cNvSpPr>
+            <a:spLocks noGrp="1"/>
+          </p:cNvSpPr>
+          <p:nvPr>
+            <p:ph type="title"/>
+          </p:nvPr>
+        </p:nvSpPr>
+        <p:spPr/>
+        <p:txBody>
+          <a:bodyPr/>
+          <a:lstStyle/>
+          <a:p>
+            <a:r>
+              <a:rPr lang="fr-FR" dirty="0">
+                <a:solidFill>
+                  <a:schemeClr val="accent1"/>
+                </a:solidFill>
+              </a:rPr>
+              <a:t>II) Mise en place d’un dépôt </a:t>
+            </a:r>
+            <a:r>
+              <a:rPr lang="fr-FR" dirty="0" err="1">
+                <a:solidFill>
+                  <a:schemeClr val="accent1"/>
+                </a:solidFill>
+              </a:rPr>
+              <a:t>Github</a:t>
+            </a:r>
+            <a:endParaRPr lang="fr-FR" dirty="0"/>
+          </a:p>
+        </p:txBody>
+      </p:sp>
+      <p:sp>
+        <p:nvSpPr>
+          <p:cNvPr id="3" name="Espace réservé du contenu 2"/>
+          <p:cNvSpPr>
+            <a:spLocks noGrp="1"/>
+          </p:cNvSpPr>
+          <p:nvPr>
+            <p:ph idx="1"/>
+          </p:nvPr>
+        </p:nvSpPr>
+        <p:spPr/>
+        <p:txBody>
+          <a:bodyPr/>
+          <a:lstStyle/>
+          <a:p>
+            <a:r>
+              <a:rPr lang="fr-FR" sz="3200" u="sng" dirty="0"/>
+              <a:t>3° Créez un README pour votre </a:t>
+            </a:r>
+            <a:r>
+              <a:rPr lang="fr-FR" sz="3200" u="sng" dirty="0" smtClean="0"/>
+              <a:t>dépôt</a:t>
+            </a:r>
+            <a:endParaRPr lang="fr-FR" sz="3200" dirty="0"/>
+          </a:p>
+          <a:p>
+            <a:r>
+              <a:rPr lang="fr-FR" sz="3200" u="sng" dirty="0"/>
+              <a:t>4° Installer un client git en </a:t>
+            </a:r>
+            <a:r>
+              <a:rPr lang="fr-FR" sz="3200" u="sng" dirty="0" smtClean="0"/>
+              <a:t>graphique</a:t>
+            </a:r>
+          </a:p>
+          <a:p>
+            <a:endParaRPr lang="fr-FR" sz="3200" u="sng" dirty="0"/>
+          </a:p>
+          <a:p>
+            <a:endParaRPr lang="fr-FR" sz="3200" dirty="0"/>
+          </a:p>
+          <a:p>
+            <a:endParaRPr lang="fr-FR" dirty="0"/>
+          </a:p>
+        </p:txBody>
+      </p:sp>
+      <p:pic>
+        <p:nvPicPr>
+          <p:cNvPr id="4" name="Image 3"/>
+          <p:cNvPicPr>
+            <a:picLocks noChangeAspect="1"/>
+          </p:cNvPicPr>
+          <p:nvPr/>
+        </p:nvPicPr>
+        <p:blipFill>
+          <a:blip r:embed="rId2"/>
+          <a:stretch>
+            <a:fillRect/>
+          </a:stretch>
+        </p:blipFill>
+        <p:spPr>
+          <a:xfrm>
+            <a:off x="0" y="3004870"/>
+            <a:ext cx="5455665" cy="2864224"/>
+          </a:xfrm>
+          <a:prstGeom prst="rect">
+            <a:avLst/>
+          </a:prstGeom>
+        </p:spPr>
+      </p:pic>
+      <p:pic>
+        <p:nvPicPr>
+          <p:cNvPr id="5" name="Image 4"/>
+          <p:cNvPicPr>
+            <a:picLocks noChangeAspect="1"/>
+          </p:cNvPicPr>
+          <p:nvPr/>
+        </p:nvPicPr>
+        <p:blipFill>
+          <a:blip r:embed="rId3"/>
+          <a:stretch>
+            <a:fillRect/>
+          </a:stretch>
+        </p:blipFill>
+        <p:spPr>
+          <a:xfrm>
+            <a:off x="4500880" y="3674982"/>
+            <a:ext cx="6654800" cy="1524000"/>
+          </a:xfrm>
+          <a:prstGeom prst="rect">
+            <a:avLst/>
+          </a:prstGeom>
+        </p:spPr>
+      </p:pic>
+    </p:spTree>
+    <p:extLst>
+      <p:ext uri="{BB962C8B-B14F-4D97-AF65-F5344CB8AC3E}">
+        <p14:creationId xmlns:p14="http://schemas.microsoft.com/office/powerpoint/2010/main" val="437493600"/>
+      </p:ext>
+    </p:extLst>
+  </p:cSld>
+  <p:clrMapOvr>
+    <a:masterClrMapping/>
+  </p:clrMapOvr>
+</p:sld>
+</file>
+
+<file path=ppt/slides/slide7.xml><?xml version="1.0" encoding="utf-8"?>
+<p:sld xmlns:a="http://schemas.openxmlformats.org/drawingml/2006/main" xmlns:r="http://schemas.openxmlformats.org/officeDocument/2006/relationships" xmlns:p="http://schemas.openxmlformats.org/presentationml/2006/main">
+  <p:cSld>
+    <p:spTree>
+      <p:nvGrpSpPr>
+        <p:cNvPr id="1" name=""/>
+        <p:cNvGrpSpPr/>
+        <p:nvPr/>
+      </p:nvGrpSpPr>
+      <p:grpSpPr>
+        <a:xfrm>
+          <a:off x="0" y="0"/>
+          <a:ext cx="0" cy="0"/>
+          <a:chOff x="0" y="0"/>
+          <a:chExt cx="0" cy="0"/>
+        </a:xfrm>
+      </p:grpSpPr>
+      <p:sp>
+        <p:nvSpPr>
+          <p:cNvPr id="2" name="Titre 1"/>
+          <p:cNvSpPr>
+            <a:spLocks noGrp="1"/>
+          </p:cNvSpPr>
+          <p:nvPr>
+            <p:ph type="title"/>
+          </p:nvPr>
+        </p:nvSpPr>
+        <p:spPr/>
+        <p:txBody>
+          <a:bodyPr/>
+          <a:lstStyle/>
+          <a:p>
+            <a:r>
+              <a:rPr lang="fr-FR" dirty="0" smtClean="0">
+                <a:solidFill>
+                  <a:schemeClr val="accent1"/>
+                </a:solidFill>
+              </a:rPr>
+              <a:t>III) GLPI</a:t>
+            </a:r>
+            <a:endParaRPr lang="fr-FR" dirty="0">
+              <a:solidFill>
+                <a:schemeClr val="accent1"/>
+              </a:solidFill>
+            </a:endParaRPr>
+          </a:p>
+        </p:txBody>
+      </p:sp>
+      <p:sp>
+        <p:nvSpPr>
+          <p:cNvPr id="3" name="Espace réservé du contenu 2"/>
+          <p:cNvSpPr>
+            <a:spLocks noGrp="1"/>
+          </p:cNvSpPr>
+          <p:nvPr>
+            <p:ph idx="1"/>
+          </p:nvPr>
+        </p:nvSpPr>
+        <p:spPr/>
+        <p:txBody>
+          <a:bodyPr/>
+          <a:lstStyle/>
+          <a:p>
+            <a:endParaRPr lang="fr-FR"/>
+          </a:p>
+        </p:txBody>
+      </p:sp>
+    </p:spTree>
+    <p:extLst>
+      <p:ext uri="{BB962C8B-B14F-4D97-AF65-F5344CB8AC3E}">
+        <p14:creationId xmlns:p14="http://schemas.microsoft.com/office/powerpoint/2010/main" val="670783498"/>
       </p:ext>
     </p:extLst>
   </p:cSld>
